--- a/Job Interview Project.pptx
+++ b/Job Interview Project.pptx
@@ -120,6 +120,7 @@
 <file path=ppt/revisionInfo.xml><?xml version="1.0" encoding="utf-8"?>
 <p1510:revInfo xmlns:a="http://schemas.openxmlformats.org/drawingml/2006/main" xmlns:r="http://schemas.openxmlformats.org/officeDocument/2006/relationships" xmlns:p1510="http://schemas.microsoft.com/office/powerpoint/2015/10/main">
   <p1510:revLst>
+    <p1510:client id="{2F1C6D2F-075F-4346-B245-48D12B4839CD}" v="98" dt="2022-06-21T14:00:59.139"/>
     <p1510:client id="{8ACF3BA9-3286-426A-A907-3BA4EAA053BF}" v="509" dt="2022-06-14T11:17:31.942"/>
   </p1510:revLst>
 </p1510:revInfo>
@@ -256,7 +257,7 @@
           <a:p>
             <a:fld id="{846CE7D5-CF57-46EF-B807-FDD0502418D4}" type="datetimeFigureOut">
               <a:rPr lang="en-US" smtClean="0"/>
-              <a:t>6/14/2022</a:t>
+              <a:t>6/21/2022</a:t>
             </a:fld>
             <a:endParaRPr lang="en-US"/>
           </a:p>
@@ -426,7 +427,7 @@
           <a:p>
             <a:fld id="{846CE7D5-CF57-46EF-B807-FDD0502418D4}" type="datetimeFigureOut">
               <a:rPr lang="en-US" smtClean="0"/>
-              <a:t>6/14/2022</a:t>
+              <a:t>6/21/2022</a:t>
             </a:fld>
             <a:endParaRPr lang="en-US"/>
           </a:p>
@@ -606,7 +607,7 @@
           <a:p>
             <a:fld id="{846CE7D5-CF57-46EF-B807-FDD0502418D4}" type="datetimeFigureOut">
               <a:rPr lang="en-US" smtClean="0"/>
-              <a:t>6/14/2022</a:t>
+              <a:t>6/21/2022</a:t>
             </a:fld>
             <a:endParaRPr lang="en-US"/>
           </a:p>
@@ -776,7 +777,7 @@
           <a:p>
             <a:fld id="{846CE7D5-CF57-46EF-B807-FDD0502418D4}" type="datetimeFigureOut">
               <a:rPr lang="en-US" smtClean="0"/>
-              <a:t>6/14/2022</a:t>
+              <a:t>6/21/2022</a:t>
             </a:fld>
             <a:endParaRPr lang="en-US"/>
           </a:p>
@@ -1022,7 +1023,7 @@
           <a:p>
             <a:fld id="{846CE7D5-CF57-46EF-B807-FDD0502418D4}" type="datetimeFigureOut">
               <a:rPr lang="en-US" smtClean="0"/>
-              <a:t>6/14/2022</a:t>
+              <a:t>6/21/2022</a:t>
             </a:fld>
             <a:endParaRPr lang="en-US"/>
           </a:p>
@@ -1254,7 +1255,7 @@
           <a:p>
             <a:fld id="{846CE7D5-CF57-46EF-B807-FDD0502418D4}" type="datetimeFigureOut">
               <a:rPr lang="en-US" smtClean="0"/>
-              <a:t>6/14/2022</a:t>
+              <a:t>6/21/2022</a:t>
             </a:fld>
             <a:endParaRPr lang="en-US"/>
           </a:p>
@@ -1621,7 +1622,7 @@
           <a:p>
             <a:fld id="{846CE7D5-CF57-46EF-B807-FDD0502418D4}" type="datetimeFigureOut">
               <a:rPr lang="en-US" smtClean="0"/>
-              <a:t>6/14/2022</a:t>
+              <a:t>6/21/2022</a:t>
             </a:fld>
             <a:endParaRPr lang="en-US"/>
           </a:p>
@@ -1739,7 +1740,7 @@
           <a:p>
             <a:fld id="{846CE7D5-CF57-46EF-B807-FDD0502418D4}" type="datetimeFigureOut">
               <a:rPr lang="en-US" smtClean="0"/>
-              <a:t>6/14/2022</a:t>
+              <a:t>6/21/2022</a:t>
             </a:fld>
             <a:endParaRPr lang="en-US"/>
           </a:p>
@@ -1834,7 +1835,7 @@
           <a:p>
             <a:fld id="{846CE7D5-CF57-46EF-B807-FDD0502418D4}" type="datetimeFigureOut">
               <a:rPr lang="en-US" smtClean="0"/>
-              <a:t>6/14/2022</a:t>
+              <a:t>6/21/2022</a:t>
             </a:fld>
             <a:endParaRPr lang="en-US"/>
           </a:p>
@@ -2111,7 +2112,7 @@
           <a:p>
             <a:fld id="{846CE7D5-CF57-46EF-B807-FDD0502418D4}" type="datetimeFigureOut">
               <a:rPr lang="en-US" smtClean="0"/>
-              <a:t>6/14/2022</a:t>
+              <a:t>6/21/2022</a:t>
             </a:fld>
             <a:endParaRPr lang="en-US"/>
           </a:p>
@@ -2368,7 +2369,7 @@
           <a:p>
             <a:fld id="{846CE7D5-CF57-46EF-B807-FDD0502418D4}" type="datetimeFigureOut">
               <a:rPr lang="en-US" smtClean="0"/>
-              <a:t>6/14/2022</a:t>
+              <a:t>6/21/2022</a:t>
             </a:fld>
             <a:endParaRPr lang="en-US"/>
           </a:p>
@@ -2581,7 +2582,7 @@
           <a:p>
             <a:fld id="{846CE7D5-CF57-46EF-B807-FDD0502418D4}" type="datetimeFigureOut">
               <a:rPr lang="en-US" smtClean="0"/>
-              <a:t>6/14/2022</a:t>
+              <a:t>6/21/2022</a:t>
             </a:fld>
             <a:endParaRPr lang="en-US"/>
           </a:p>
@@ -3137,7 +3138,7 @@
               <a:rPr lang="en-US" dirty="0">
                 <a:cs typeface="Calibri"/>
               </a:rPr>
-              <a:t>My name is Samuel and I am 19 years old. Over the past years, I’ve been working as an intern as a junior developer at Company X and Y.</a:t>
+              <a:t>My name is Samuel and I am 19 years old. Over the past years, I’ve been working as an intern as a junior developer and acquired some technical skills at Company X and Y.</a:t>
             </a:r>
             <a:endParaRPr lang="en-US" dirty="0">
               <a:ea typeface="+mn-lt"/>
@@ -3313,7 +3314,7 @@
                 <a:ea typeface="+mn-lt"/>
                 <a:cs typeface="+mn-lt"/>
               </a:rPr>
-              <a:t>Honestly, I possess all the skills and experience that you're looking for. I'm pretty confident that I am the best candidate for this job role. It's not just my background in the past projects, but also my technical skills, which will be applicable in this position.</a:t>
+              <a:t>Honestly, I possess all the skills and experience that you're looking for. I'm pretty confident that I am the best candidate for this job role as I meet up to expected requirements and more. It's not just my background in past projects, but also my technical skills, which will be applicable in this position.</a:t>
             </a:r>
             <a:endParaRPr lang="en-US">
               <a:cs typeface="Calibri" panose="020F0502020204030204"/>
@@ -3418,12 +3419,15 @@
             </a:endParaRPr>
           </a:p>
           <a:p>
+            <a:pPr marL="0" indent="0">
+              <a:buNone/>
+            </a:pPr>
             <a:r>
               <a:rPr lang="en-US" dirty="0">
                 <a:ea typeface="+mn-lt"/>
                 <a:cs typeface="+mn-lt"/>
               </a:rPr>
-              <a:t>Once I am familiar with the role, I am comfortable handling tasks and projects on my own. My previous role in Company X helped me balance working independently and collaborating with a team to ensure we completed all daily tasks.</a:t>
+              <a:t>Once I am familiar with the role, I am comfortable handling tasks and projects on my own. My previous role in Company X helped me balance working independently and collaborating with a team to ensure we completed all daily tasks and large projects.</a:t>
             </a:r>
           </a:p>
           <a:p>
@@ -3533,7 +3537,7 @@
                 <a:ea typeface="+mn-lt"/>
                 <a:cs typeface="+mn-lt"/>
               </a:rPr>
-              <a:t>I majored in computer science, so several of my courses directly prepared me for the role of a senior developer. Each course in my major required extensive research and technicality in work.</a:t>
+              <a:t>I majored in computer science, so several of my courses directly prepared me for the role of a Full-stack developer. Each course in my major required extensive research and technicality in work.</a:t>
             </a:r>
           </a:p>
           <a:p>
@@ -3545,7 +3549,7 @@
                 <a:ea typeface="+mn-lt"/>
                 <a:cs typeface="+mn-lt"/>
               </a:rPr>
-              <a:t> Specifically, my final course was a project in which I had to prepare create a project tracker for the institution.</a:t>
+              <a:t>I worked on several academic projects and received awards for my technicality and being able to work with a group of developers.</a:t>
             </a:r>
           </a:p>
           <a:p>
